--- a/SOFTWARE DE GESTIÓN HOSPITALARIA.pptx
+++ b/SOFTWARE DE GESTIÓN HOSPITALARIA.pptx
@@ -8,7 +8,9 @@
     <p:sldId id="256" r:id="rId2"/>
     <p:sldId id="258" r:id="rId3"/>
     <p:sldId id="257" r:id="rId4"/>
-    <p:sldId id="259" r:id="rId5"/>
+    <p:sldId id="261" r:id="rId5"/>
+    <p:sldId id="260" r:id="rId6"/>
+    <p:sldId id="259" r:id="rId7"/>
   </p:sldIdLst>
   <p:sldSz cx="12192000" cy="6858000"/>
   <p:notesSz cx="6858000" cy="9144000"/>
@@ -109,7 +111,7 @@
   </p:defaultTextStyle>
   <p:extLst>
     <p:ext uri="{EFAFB233-063F-42B5-8137-9DF3F51BA10A}">
-      <p15:sldGuideLst xmlns:p15="http://schemas.microsoft.com/office/powerpoint/2012/main"/>
+      <p15:sldGuideLst xmlns:p15="http://schemas.microsoft.com/office/powerpoint/2012/main" xmlns=""/>
     </p:ext>
   </p:extLst>
 </p:presentation>
@@ -5837,7 +5839,7 @@
           <p:cNvPr id="2" name="Título 1">
             <a:extLst>
               <a:ext uri="{FF2B5EF4-FFF2-40B4-BE49-F238E27FC236}">
-                <a16:creationId xmlns:a16="http://schemas.microsoft.com/office/drawing/2014/main" id="{E9FAC063-DAF6-4ABC-A1E9-13A45D60E003}"/>
+                <a16:creationId xmlns:a16="http://schemas.microsoft.com/office/drawing/2014/main" xmlns="" id="{E9FAC063-DAF6-4ABC-A1E9-13A45D60E003}"/>
               </a:ext>
             </a:extLst>
           </p:cNvPr>
@@ -5893,7 +5895,7 @@
           <p:cNvPr id="6" name="CuadroTexto 5">
             <a:extLst>
               <a:ext uri="{FF2B5EF4-FFF2-40B4-BE49-F238E27FC236}">
-                <a16:creationId xmlns:a16="http://schemas.microsoft.com/office/drawing/2014/main" id="{AD06DF47-5DB3-4409-A8A5-4A6A996FCAEC}"/>
+                <a16:creationId xmlns:a16="http://schemas.microsoft.com/office/drawing/2014/main" xmlns="" id="{AD06DF47-5DB3-4409-A8A5-4A6A996FCAEC}"/>
               </a:ext>
             </a:extLst>
           </p:cNvPr>
@@ -5987,7 +5989,7 @@
           <p:cNvPr id="8" name="Imagen 7">
             <a:extLst>
               <a:ext uri="{FF2B5EF4-FFF2-40B4-BE49-F238E27FC236}">
-                <a16:creationId xmlns:a16="http://schemas.microsoft.com/office/drawing/2014/main" id="{E61898B4-EBDE-4493-9984-F53CDB3798F0}"/>
+                <a16:creationId xmlns:a16="http://schemas.microsoft.com/office/drawing/2014/main" xmlns="" id="{E61898B4-EBDE-4493-9984-F53CDB3798F0}"/>
               </a:ext>
             </a:extLst>
           </p:cNvPr>
@@ -6059,7 +6061,7 @@
           <p:cNvPr id="5" name="Marcador de contenido 4">
             <a:extLst>
               <a:ext uri="{FF2B5EF4-FFF2-40B4-BE49-F238E27FC236}">
-                <a16:creationId xmlns:a16="http://schemas.microsoft.com/office/drawing/2014/main" id="{896E96E4-64A3-457A-A896-4CEE2243CE50}"/>
+                <a16:creationId xmlns:a16="http://schemas.microsoft.com/office/drawing/2014/main" xmlns="" id="{896E96E4-64A3-457A-A896-4CEE2243CE50}"/>
               </a:ext>
             </a:extLst>
           </p:cNvPr>
@@ -6124,7 +6126,7 @@
           <p:cNvPr id="2" name="Título 1">
             <a:extLst>
               <a:ext uri="{FF2B5EF4-FFF2-40B4-BE49-F238E27FC236}">
-                <a16:creationId xmlns:a16="http://schemas.microsoft.com/office/drawing/2014/main" id="{9B5D97BF-E0C1-4260-9BC3-395BA07BD5B7}"/>
+                <a16:creationId xmlns:a16="http://schemas.microsoft.com/office/drawing/2014/main" xmlns="" id="{9B5D97BF-E0C1-4260-9BC3-395BA07BD5B7}"/>
               </a:ext>
             </a:extLst>
           </p:cNvPr>
@@ -6160,7 +6162,7 @@
           <p:cNvPr id="3" name="Marcador de contenido 2">
             <a:extLst>
               <a:ext uri="{FF2B5EF4-FFF2-40B4-BE49-F238E27FC236}">
-                <a16:creationId xmlns:a16="http://schemas.microsoft.com/office/drawing/2014/main" id="{AC69DDDD-9E74-4778-A9A8-86C89694CAB0}"/>
+                <a16:creationId xmlns:a16="http://schemas.microsoft.com/office/drawing/2014/main" xmlns="" id="{AC69DDDD-9E74-4778-A9A8-86C89694CAB0}"/>
               </a:ext>
             </a:extLst>
           </p:cNvPr>
@@ -6201,7 +6203,15 @@
           <a:p>
             <a:r>
               <a:rPr lang="es-ES" dirty="0"/>
-              <a:t>Fiabilidad garantizada.</a:t>
+              <a:t>Fiabilidad </a:t>
+            </a:r>
+            <a:r>
+              <a:rPr lang="es-ES" dirty="0" smtClean="0"/>
+              <a:t>y seguridad garantizada</a:t>
+            </a:r>
+            <a:r>
+              <a:rPr lang="es-ES" dirty="0"/>
+              <a:t>.</a:t>
             </a:r>
           </a:p>
           <a:p>
@@ -6215,20 +6225,6 @@
           </a:p>
           <a:p>
             <a:endParaRPr lang="es-ES" dirty="0"/>
-          </a:p>
-          <a:p>
-            <a:r>
-              <a:rPr lang="es-ES" dirty="0"/>
-              <a:t>Innovador sistema de lector de tarjetas </a:t>
-            </a:r>
-            <a:r>
-              <a:rPr lang="es-ES" dirty="0" err="1"/>
-              <a:t>contactless</a:t>
-            </a:r>
-            <a:r>
-              <a:rPr lang="es-ES" dirty="0"/>
-              <a:t>.</a:t>
-            </a:r>
           </a:p>
         </p:txBody>
       </p:sp>
@@ -6267,7 +6263,324 @@
           <p:cNvPr id="2" name="Título 1">
             <a:extLst>
               <a:ext uri="{FF2B5EF4-FFF2-40B4-BE49-F238E27FC236}">
-                <a16:creationId xmlns:a16="http://schemas.microsoft.com/office/drawing/2014/main" id="{77963303-C3E9-4AE0-80CF-46FB1E1D0E8B}"/>
+                <a16:creationId xmlns:a16="http://schemas.microsoft.com/office/drawing/2014/main" xmlns="" id="{9B5D97BF-E0C1-4260-9BC3-395BA07BD5B7}"/>
+              </a:ext>
+            </a:extLst>
+          </p:cNvPr>
+          <p:cNvSpPr>
+            <a:spLocks noGrp="1"/>
+          </p:cNvSpPr>
+          <p:nvPr>
+            <p:ph type="title"/>
+          </p:nvPr>
+        </p:nvSpPr>
+        <p:spPr>
+          <a:xfrm>
+            <a:off x="556953" y="609600"/>
+            <a:ext cx="8836429" cy="1077884"/>
+          </a:xfrm>
+        </p:spPr>
+        <p:txBody>
+          <a:bodyPr>
+            <a:normAutofit/>
+          </a:bodyPr>
+          <a:lstStyle/>
+          <a:p>
+            <a:pPr algn="ctr"/>
+            <a:r>
+              <a:rPr lang="es-ES" dirty="0"/>
+              <a:t>EFICIENCIA, PRECISIÓN Y FUNCIONALIDAD</a:t>
+            </a:r>
+          </a:p>
+        </p:txBody>
+      </p:sp>
+      <p:sp>
+        <p:nvSpPr>
+          <p:cNvPr id="3" name="Marcador de contenido 2">
+            <a:extLst>
+              <a:ext uri="{FF2B5EF4-FFF2-40B4-BE49-F238E27FC236}">
+                <a16:creationId xmlns:a16="http://schemas.microsoft.com/office/drawing/2014/main" xmlns="" id="{AC69DDDD-9E74-4778-A9A8-86C89694CAB0}"/>
+              </a:ext>
+            </a:extLst>
+          </p:cNvPr>
+          <p:cNvSpPr>
+            <a:spLocks noGrp="1"/>
+          </p:cNvSpPr>
+          <p:nvPr>
+            <p:ph idx="1"/>
+          </p:nvPr>
+        </p:nvSpPr>
+        <p:spPr>
+          <a:xfrm>
+            <a:off x="556953" y="1835727"/>
+            <a:ext cx="9010997" cy="3999807"/>
+          </a:xfrm>
+        </p:spPr>
+        <p:txBody>
+          <a:bodyPr/>
+          <a:lstStyle/>
+          <a:p>
+            <a:endParaRPr lang="es-ES" dirty="0" smtClean="0"/>
+          </a:p>
+          <a:p>
+            <a:r>
+              <a:rPr lang="es-ES" dirty="0" smtClean="0"/>
+              <a:t>Priorización de las urgencias.</a:t>
+            </a:r>
+            <a:endParaRPr lang="es-ES" dirty="0"/>
+          </a:p>
+          <a:p>
+            <a:endParaRPr lang="es-ES" dirty="0"/>
+          </a:p>
+          <a:p>
+            <a:r>
+              <a:rPr lang="es-ES" dirty="0" smtClean="0"/>
+              <a:t>Reduce el tiempo de espera.</a:t>
+            </a:r>
+          </a:p>
+          <a:p>
+            <a:endParaRPr lang="es-ES" dirty="0"/>
+          </a:p>
+          <a:p>
+            <a:r>
+              <a:rPr lang="es-ES" dirty="0" smtClean="0"/>
+              <a:t>Máxima seguridad.</a:t>
+            </a:r>
+          </a:p>
+          <a:p>
+            <a:endParaRPr lang="es-ES" dirty="0"/>
+          </a:p>
+          <a:p>
+            <a:endParaRPr lang="es-ES" dirty="0"/>
+          </a:p>
+        </p:txBody>
+      </p:sp>
+    </p:spTree>
+    <p:extLst>
+      <p:ext uri="{BB962C8B-B14F-4D97-AF65-F5344CB8AC3E}">
+        <p14:creationId xmlns:p14="http://schemas.microsoft.com/office/powerpoint/2010/main" val="2257374802"/>
+      </p:ext>
+    </p:extLst>
+  </p:cSld>
+  <p:clrMapOvr>
+    <a:masterClrMapping/>
+  </p:clrMapOvr>
+</p:sld>
+</file>
+
+<file path=ppt/slides/slide5.xml><?xml version="1.0" encoding="utf-8"?>
+<p:sld xmlns:a="http://schemas.openxmlformats.org/drawingml/2006/main" xmlns:r="http://schemas.openxmlformats.org/officeDocument/2006/relationships" xmlns:p="http://schemas.openxmlformats.org/presentationml/2006/main">
+  <p:cSld>
+    <p:spTree>
+      <p:nvGrpSpPr>
+        <p:cNvPr id="1" name=""/>
+        <p:cNvGrpSpPr/>
+        <p:nvPr/>
+      </p:nvGrpSpPr>
+      <p:grpSpPr>
+        <a:xfrm>
+          <a:off x="0" y="0"/>
+          <a:ext cx="0" cy="0"/>
+          <a:chOff x="0" y="0"/>
+          <a:chExt cx="0" cy="0"/>
+        </a:xfrm>
+      </p:grpSpPr>
+      <p:sp>
+        <p:nvSpPr>
+          <p:cNvPr id="2" name="Título 1">
+            <a:extLst>
+              <a:ext uri="{FF2B5EF4-FFF2-40B4-BE49-F238E27FC236}">
+                <a16:creationId xmlns="" xmlns:a16="http://schemas.microsoft.com/office/drawing/2014/main" id="{9B5D97BF-E0C1-4260-9BC3-395BA07BD5B7}"/>
+              </a:ext>
+            </a:extLst>
+          </p:cNvPr>
+          <p:cNvSpPr>
+            <a:spLocks noGrp="1"/>
+          </p:cNvSpPr>
+          <p:nvPr>
+            <p:ph type="title"/>
+          </p:nvPr>
+        </p:nvSpPr>
+        <p:spPr>
+          <a:xfrm>
+            <a:off x="556953" y="609600"/>
+            <a:ext cx="8836429" cy="1077884"/>
+          </a:xfrm>
+        </p:spPr>
+        <p:txBody>
+          <a:bodyPr>
+            <a:normAutofit/>
+          </a:bodyPr>
+          <a:lstStyle/>
+          <a:p>
+            <a:pPr algn="ctr"/>
+            <a:r>
+              <a:rPr lang="es-ES" dirty="0"/>
+              <a:t>EFICIENCIA, PRECISIÓN Y FUNCIONALIDAD</a:t>
+            </a:r>
+          </a:p>
+        </p:txBody>
+      </p:sp>
+      <p:sp>
+        <p:nvSpPr>
+          <p:cNvPr id="3" name="Marcador de contenido 2">
+            <a:extLst>
+              <a:ext uri="{FF2B5EF4-FFF2-40B4-BE49-F238E27FC236}">
+                <a16:creationId xmlns="" xmlns:a16="http://schemas.microsoft.com/office/drawing/2014/main" id="{AC69DDDD-9E74-4778-A9A8-86C89694CAB0}"/>
+              </a:ext>
+            </a:extLst>
+          </p:cNvPr>
+          <p:cNvSpPr>
+            <a:spLocks noGrp="1"/>
+          </p:cNvSpPr>
+          <p:nvPr>
+            <p:ph idx="1"/>
+          </p:nvPr>
+        </p:nvSpPr>
+        <p:spPr>
+          <a:xfrm>
+            <a:off x="556953" y="1835727"/>
+            <a:ext cx="9010997" cy="3999807"/>
+          </a:xfrm>
+        </p:spPr>
+        <p:txBody>
+          <a:bodyPr/>
+          <a:lstStyle/>
+          <a:p>
+            <a:r>
+              <a:rPr lang="es-ES" dirty="0"/>
+              <a:t>Innovador sistema de lector de tarjetas </a:t>
+            </a:r>
+            <a:r>
+              <a:rPr lang="es-ES" dirty="0" err="1"/>
+              <a:t>contactless</a:t>
+            </a:r>
+            <a:r>
+              <a:rPr lang="es-ES" dirty="0"/>
+              <a:t>.</a:t>
+            </a:r>
+          </a:p>
+          <a:p>
+            <a:endParaRPr lang="es-ES" dirty="0" smtClean="0"/>
+          </a:p>
+        </p:txBody>
+      </p:sp>
+      <p:pic>
+        <p:nvPicPr>
+          <p:cNvPr id="1026" name="Picture 2" descr="C:\Users\Miguel JS\Downloads\IMG_20180521_225416_859.jpg"/>
+          <p:cNvPicPr>
+            <a:picLocks noChangeAspect="1" noChangeArrowheads="1"/>
+          </p:cNvPicPr>
+          <p:nvPr/>
+        </p:nvPicPr>
+        <p:blipFill>
+          <a:blip r:embed="rId2" cstate="print">
+            <a:extLst>
+              <a:ext uri="{28A0092B-C50C-407E-A947-70E740481C1C}">
+                <a14:useLocalDpi xmlns:a14="http://schemas.microsoft.com/office/drawing/2010/main" val="0"/>
+              </a:ext>
+            </a:extLst>
+          </a:blip>
+          <a:srcRect/>
+          <a:stretch>
+            <a:fillRect/>
+          </a:stretch>
+        </p:blipFill>
+        <p:spPr bwMode="auto">
+          <a:xfrm>
+            <a:off x="1434288" y="2531029"/>
+            <a:ext cx="4696056" cy="3522042"/>
+          </a:xfrm>
+          <a:prstGeom prst="rect">
+            <a:avLst/>
+          </a:prstGeom>
+          <a:noFill/>
+          <a:extLst>
+            <a:ext uri="{909E8E84-426E-40DD-AFC4-6F175D3DCCD1}">
+              <a14:hiddenFill xmlns:a14="http://schemas.microsoft.com/office/drawing/2010/main">
+                <a:solidFill>
+                  <a:srgbClr val="FFFFFF"/>
+                </a:solidFill>
+              </a14:hiddenFill>
+            </a:ext>
+          </a:extLst>
+        </p:spPr>
+      </p:pic>
+      <p:pic>
+        <p:nvPicPr>
+          <p:cNvPr id="1027" name="Picture 3" descr="C:\Users\Miguel JS\Downloads\tarjeta.jpg"/>
+          <p:cNvPicPr>
+            <a:picLocks noChangeAspect="1" noChangeArrowheads="1"/>
+          </p:cNvPicPr>
+          <p:nvPr/>
+        </p:nvPicPr>
+        <p:blipFill rotWithShape="1">
+          <a:blip r:embed="rId3">
+            <a:extLst>
+              <a:ext uri="{28A0092B-C50C-407E-A947-70E740481C1C}">
+                <a14:useLocalDpi xmlns:a14="http://schemas.microsoft.com/office/drawing/2010/main" val="0"/>
+              </a:ext>
+            </a:extLst>
+          </a:blip>
+          <a:srcRect l="2890" t="7492" r="49067" b="43531"/>
+          <a:stretch/>
+        </p:blipFill>
+        <p:spPr bwMode="auto">
+          <a:xfrm>
+            <a:off x="6656483" y="2337845"/>
+            <a:ext cx="3131462" cy="3192341"/>
+          </a:xfrm>
+          <a:prstGeom prst="rect">
+            <a:avLst/>
+          </a:prstGeom>
+          <a:noFill/>
+          <a:extLst>
+            <a:ext uri="{909E8E84-426E-40DD-AFC4-6F175D3DCCD1}">
+              <a14:hiddenFill xmlns:a14="http://schemas.microsoft.com/office/drawing/2010/main">
+                <a:solidFill>
+                  <a:srgbClr val="FFFFFF"/>
+                </a:solidFill>
+              </a14:hiddenFill>
+            </a:ext>
+          </a:extLst>
+        </p:spPr>
+      </p:pic>
+    </p:spTree>
+    <p:extLst>
+      <p:ext uri="{BB962C8B-B14F-4D97-AF65-F5344CB8AC3E}">
+        <p14:creationId xmlns:p14="http://schemas.microsoft.com/office/powerpoint/2010/main" val="1268414327"/>
+      </p:ext>
+    </p:extLst>
+  </p:cSld>
+  <p:clrMapOvr>
+    <a:masterClrMapping/>
+  </p:clrMapOvr>
+</p:sld>
+</file>
+
+<file path=ppt/slides/slide6.xml><?xml version="1.0" encoding="utf-8"?>
+<p:sld xmlns:a="http://schemas.openxmlformats.org/drawingml/2006/main" xmlns:r="http://schemas.openxmlformats.org/officeDocument/2006/relationships" xmlns:p="http://schemas.openxmlformats.org/presentationml/2006/main">
+  <p:cSld>
+    <p:spTree>
+      <p:nvGrpSpPr>
+        <p:cNvPr id="1" name=""/>
+        <p:cNvGrpSpPr/>
+        <p:nvPr/>
+      </p:nvGrpSpPr>
+      <p:grpSpPr>
+        <a:xfrm>
+          <a:off x="0" y="0"/>
+          <a:ext cx="0" cy="0"/>
+          <a:chOff x="0" y="0"/>
+          <a:chExt cx="0" cy="0"/>
+        </a:xfrm>
+      </p:grpSpPr>
+      <p:sp>
+        <p:nvSpPr>
+          <p:cNvPr id="2" name="Título 1">
+            <a:extLst>
+              <a:ext uri="{FF2B5EF4-FFF2-40B4-BE49-F238E27FC236}">
+                <a16:creationId xmlns:a16="http://schemas.microsoft.com/office/drawing/2014/main" xmlns="" id="{77963303-C3E9-4AE0-80CF-46FB1E1D0E8B}"/>
               </a:ext>
             </a:extLst>
           </p:cNvPr>
@@ -6383,7 +6696,7 @@
     </a:clrScheme>
     <a:fontScheme name="Faceta">
       <a:majorFont>
-        <a:latin typeface="Trebuchet MS" panose="020B0603020202020204"/>
+        <a:latin typeface="Trebuchet MS"/>
         <a:ea typeface=""/>
         <a:cs typeface=""/>
         <a:font script="Jpan" typeface="メイリオ"/>
@@ -6418,7 +6731,7 @@
         <a:font script="Geor" typeface="Sylfaen"/>
       </a:majorFont>
       <a:minorFont>
-        <a:latin typeface="Trebuchet MS" panose="020B0603020202020204"/>
+        <a:latin typeface="Trebuchet MS"/>
         <a:ea typeface=""/>
         <a:cs typeface=""/>
         <a:font script="Jpan" typeface="メイリオ"/>
@@ -6591,7 +6904,7 @@
   <a:extraClrSchemeLst/>
   <a:extLst>
     <a:ext uri="{05A4C25C-085E-4340-85A3-A5531E510DB2}">
-      <thm15:themeFamily xmlns:thm15="http://schemas.microsoft.com/office/thememl/2012/main" name="Facet" id="{C0C680CD-088A-49FC-A102-D699147F32B2}" vid="{CFBC31BA-B70F-4F30-BCAA-4F3011E16C4D}"/>
+      <thm15:themeFamily xmlns:thm15="http://schemas.microsoft.com/office/thememl/2012/main" xmlns="" name="Facet" id="{C0C680CD-088A-49FC-A102-D699147F32B2}" vid="{CFBC31BA-B70F-4F30-BCAA-4F3011E16C4D}"/>
     </a:ext>
   </a:extLst>
 </a:theme>
